--- a/ppt/FastAPI.pptx
+++ b/ppt/FastAPI.pptx
@@ -5570,13 +5570,8 @@
           <a:p>
             <a:r>
               <a:rPr lang="fr-FR" dirty="0"/>
-              <a:t>Retour d’</a:t>
-            </a:r>
-            <a:r>
-              <a:rPr lang="fr-FR" dirty="0" err="1"/>
-              <a:t>errejur</a:t>
-            </a:r>
-            <a:endParaRPr lang="fr-FR" dirty="0"/>
+              <a:t>Retour d’erreur</a:t>
+            </a:r>
           </a:p>
         </p:txBody>
       </p:sp>

--- a/ppt/FastAPI.pptx
+++ b/ppt/FastAPI.pptx
@@ -5568,13 +5568,8 @@
           <a:p>
             <a:r>
               <a:rPr lang="fr-FR" dirty="0"/>
-              <a:t>Retour d’</a:t>
-            </a:r>
-            <a:r>
-              <a:rPr lang="fr-FR" dirty="0" err="1"/>
-              <a:t>errejur</a:t>
-            </a:r>
-            <a:endParaRPr lang="fr-FR" dirty="0"/>
+              <a:t>Retour d’erreur</a:t>
+            </a:r>
           </a:p>
         </p:txBody>
       </p:sp>
@@ -5977,6 +5972,43 @@
             <a:r>
               <a:rPr lang="fr-FR" dirty="0"/>
               <a:t>API REST</a:t>
+            </a:r>
+          </a:p>
+          <a:p>
+            <a:r>
+              <a:rPr lang="fr-FR" dirty="0"/>
+              <a:t>Micro-container Web : </a:t>
+            </a:r>
+            <a:r>
+              <a:rPr lang="fr-FR"/>
+              <a:t>Uvicorn</a:t>
+            </a:r>
+            <a:endParaRPr lang="fr-FR" dirty="0"/>
+          </a:p>
+          <a:p>
+            <a:pPr lvl="1"/>
+            <a:r>
+              <a:rPr lang="fr-FR" dirty="0"/>
+              <a:t>app = </a:t>
+            </a:r>
+            <a:r>
+              <a:rPr lang="fr-FR" dirty="0" err="1"/>
+              <a:t>FastAPI</a:t>
+            </a:r>
+            <a:r>
+              <a:rPr lang="fr-FR" dirty="0"/>
+              <a:t>()</a:t>
+            </a:r>
+          </a:p>
+          <a:p>
+            <a:pPr lvl="1"/>
+            <a:r>
+              <a:rPr lang="fr-FR" dirty="0" err="1"/>
+              <a:t>uvicorn.run</a:t>
+            </a:r>
+            <a:r>
+              <a:rPr lang="fr-FR" dirty="0"/>
+              <a:t>(app, host="0.0.0.0")</a:t>
             </a:r>
           </a:p>
           <a:p>
